--- a/_self/_for_studying/_lab_applying/_DCN_Lab_Soongsil_Univer_Aimed/_edited/NgocTrieu_CV.pptx
+++ b/_self/_for_studying/_lab_applying/_DCN_Lab_Soongsil_Univer_Aimed/_edited/NgocTrieu_CV.pptx
@@ -1173,7 +1173,7 @@
           </a:ln>
           <a:extLst>
             <a:ext uri="{C572A759-6A51-4108-AA02-DFA0A04FC94B}">
-              <ma14:wrappingTextBoxFlag xmlns="" xmlns:m="http://schemas.openxmlformats.org/officeDocument/2006/math" xmlns:a14="http://schemas.microsoft.com/office/drawing/2010/main" xmlns:ma14="http://schemas.microsoft.com/office/mac/drawingml/2011/main" val="1"/>
+              <ma14:wrappingTextBoxFlag xmlns:ma14="http://schemas.microsoft.com/office/mac/drawingml/2011/main" xmlns:a14="http://schemas.microsoft.com/office/drawing/2010/main" xmlns:m="http://schemas.openxmlformats.org/officeDocument/2006/math" xmlns="" val="1"/>
             </a:ext>
           </a:extLst>
         </p:spPr>
@@ -1520,7 +1520,7 @@
           </a:ln>
           <a:extLst>
             <a:ext uri="{C572A759-6A51-4108-AA02-DFA0A04FC94B}">
-              <ma14:wrappingTextBoxFlag xmlns="" xmlns:m="http://schemas.openxmlformats.org/officeDocument/2006/math" xmlns:a14="http://schemas.microsoft.com/office/drawing/2010/main" xmlns:ma14="http://schemas.microsoft.com/office/mac/drawingml/2011/main" val="1"/>
+              <ma14:wrappingTextBoxFlag xmlns:ma14="http://schemas.microsoft.com/office/mac/drawingml/2011/main" xmlns:a14="http://schemas.microsoft.com/office/drawing/2010/main" xmlns:m="http://schemas.openxmlformats.org/officeDocument/2006/math" xmlns="" val="1"/>
             </a:ext>
           </a:extLst>
         </p:spPr>
@@ -2560,7 +2560,7 @@
             </a:ln>
             <a:extLst>
               <a:ext uri="{C572A759-6A51-4108-AA02-DFA0A04FC94B}">
-                <ma14:wrappingTextBoxFlag xmlns="" xmlns:m="http://schemas.openxmlformats.org/officeDocument/2006/math" xmlns:a14="http://schemas.microsoft.com/office/drawing/2010/main" xmlns:ma14="http://schemas.microsoft.com/office/mac/drawingml/2011/main" val="1"/>
+                <ma14:wrappingTextBoxFlag xmlns:ma14="http://schemas.microsoft.com/office/mac/drawingml/2011/main" xmlns:a14="http://schemas.microsoft.com/office/drawing/2010/main" xmlns:m="http://schemas.openxmlformats.org/officeDocument/2006/math" xmlns="" val="1"/>
               </a:ext>
             </a:extLst>
           </p:spPr>
@@ -2813,7 +2813,7 @@
             </a:ln>
             <a:extLst>
               <a:ext uri="{C572A759-6A51-4108-AA02-DFA0A04FC94B}">
-                <ma14:wrappingTextBoxFlag xmlns="" xmlns:m="http://schemas.openxmlformats.org/officeDocument/2006/math" xmlns:a14="http://schemas.microsoft.com/office/drawing/2010/main" xmlns:ma14="http://schemas.microsoft.com/office/mac/drawingml/2011/main" val="1"/>
+                <ma14:wrappingTextBoxFlag xmlns:ma14="http://schemas.microsoft.com/office/mac/drawingml/2011/main" xmlns:a14="http://schemas.microsoft.com/office/drawing/2010/main" xmlns:m="http://schemas.openxmlformats.org/officeDocument/2006/math" xmlns="" val="1"/>
               </a:ext>
             </a:extLst>
           </p:spPr>
@@ -2861,7 +2861,7 @@
             </a:ln>
             <a:extLst>
               <a:ext uri="{C572A759-6A51-4108-AA02-DFA0A04FC94B}">
-                <ma14:wrappingTextBoxFlag xmlns="" xmlns:m="http://schemas.openxmlformats.org/officeDocument/2006/math" xmlns:a14="http://schemas.microsoft.com/office/drawing/2010/main" xmlns:ma14="http://schemas.microsoft.com/office/mac/drawingml/2011/main" val="1"/>
+                <ma14:wrappingTextBoxFlag xmlns:ma14="http://schemas.microsoft.com/office/mac/drawingml/2011/main" xmlns:a14="http://schemas.microsoft.com/office/drawing/2010/main" xmlns:m="http://schemas.openxmlformats.org/officeDocument/2006/math" xmlns="" val="1"/>
               </a:ext>
             </a:extLst>
           </p:spPr>
@@ -2936,7 +2936,7 @@
             </a:ln>
             <a:extLst>
               <a:ext uri="{C572A759-6A51-4108-AA02-DFA0A04FC94B}">
-                <ma14:wrappingTextBoxFlag xmlns="" xmlns:m="http://schemas.openxmlformats.org/officeDocument/2006/math" xmlns:a14="http://schemas.microsoft.com/office/drawing/2010/main" xmlns:ma14="http://schemas.microsoft.com/office/mac/drawingml/2011/main" val="1"/>
+                <ma14:wrappingTextBoxFlag xmlns:ma14="http://schemas.microsoft.com/office/mac/drawingml/2011/main" xmlns:a14="http://schemas.microsoft.com/office/drawing/2010/main" xmlns:m="http://schemas.openxmlformats.org/officeDocument/2006/math" xmlns="" val="1"/>
               </a:ext>
             </a:extLst>
           </p:spPr>
@@ -2984,7 +2984,7 @@
             </a:ln>
             <a:extLst>
               <a:ext uri="{C572A759-6A51-4108-AA02-DFA0A04FC94B}">
-                <ma14:wrappingTextBoxFlag xmlns="" xmlns:m="http://schemas.openxmlformats.org/officeDocument/2006/math" xmlns:a14="http://schemas.microsoft.com/office/drawing/2010/main" xmlns:ma14="http://schemas.microsoft.com/office/mac/drawingml/2011/main" val="1"/>
+                <ma14:wrappingTextBoxFlag xmlns:ma14="http://schemas.microsoft.com/office/mac/drawingml/2011/main" xmlns:a14="http://schemas.microsoft.com/office/drawing/2010/main" xmlns:m="http://schemas.openxmlformats.org/officeDocument/2006/math" xmlns="" val="1"/>
               </a:ext>
             </a:extLst>
           </p:spPr>
@@ -3860,7 +3860,7 @@
             </a:ln>
             <a:extLst>
               <a:ext uri="{C572A759-6A51-4108-AA02-DFA0A04FC94B}">
-                <ma14:wrappingTextBoxFlag xmlns="" xmlns:m="http://schemas.openxmlformats.org/officeDocument/2006/math" xmlns:a14="http://schemas.microsoft.com/office/drawing/2010/main" xmlns:ma14="http://schemas.microsoft.com/office/mac/drawingml/2011/main" val="1"/>
+                <ma14:wrappingTextBoxFlag xmlns:ma14="http://schemas.microsoft.com/office/mac/drawingml/2011/main" xmlns:a14="http://schemas.microsoft.com/office/drawing/2010/main" xmlns:m="http://schemas.openxmlformats.org/officeDocument/2006/math" xmlns="" val="1"/>
               </a:ext>
             </a:extLst>
           </p:spPr>
@@ -4234,7 +4234,7 @@
             </a:ln>
             <a:extLst>
               <a:ext uri="{C572A759-6A51-4108-AA02-DFA0A04FC94B}">
-                <ma14:wrappingTextBoxFlag xmlns="" xmlns:m="http://schemas.openxmlformats.org/officeDocument/2006/math" xmlns:a14="http://schemas.microsoft.com/office/drawing/2010/main" xmlns:ma14="http://schemas.microsoft.com/office/mac/drawingml/2011/main" val="1"/>
+                <ma14:wrappingTextBoxFlag xmlns:ma14="http://schemas.microsoft.com/office/mac/drawingml/2011/main" xmlns:a14="http://schemas.microsoft.com/office/drawing/2010/main" xmlns:m="http://schemas.openxmlformats.org/officeDocument/2006/math" xmlns="" val="1"/>
               </a:ext>
             </a:extLst>
           </p:spPr>
@@ -4616,7 +4616,7 @@
                   <a:cs typeface="Arial" panose="020B0604020202020204" pitchFamily="34" charset="0"/>
                   <a:sym typeface="Helvetica Neue Medium"/>
                 </a:rPr>
-                <a:t>library in </a:t>
+                <a:t>open source library in </a:t>
               </a:r>
               <a:r>
                 <a:rPr lang="en-US" sz="831" dirty="0">
@@ -4835,7 +4835,7 @@
             </a:ln>
             <a:extLst>
               <a:ext uri="{C572A759-6A51-4108-AA02-DFA0A04FC94B}">
-                <ma14:wrappingTextBoxFlag xmlns="" xmlns:m="http://schemas.openxmlformats.org/officeDocument/2006/math" xmlns:a14="http://schemas.microsoft.com/office/drawing/2010/main" xmlns:ma14="http://schemas.microsoft.com/office/mac/drawingml/2011/main" val="1"/>
+                <ma14:wrappingTextBoxFlag xmlns:ma14="http://schemas.microsoft.com/office/mac/drawingml/2011/main" xmlns:a14="http://schemas.microsoft.com/office/drawing/2010/main" xmlns:m="http://schemas.openxmlformats.org/officeDocument/2006/math" xmlns="" val="1"/>
               </a:ext>
             </a:extLst>
           </p:spPr>
@@ -5468,7 +5468,7 @@
             </a:ln>
             <a:extLst>
               <a:ext uri="{C572A759-6A51-4108-AA02-DFA0A04FC94B}">
-                <ma14:wrappingTextBoxFlag xmlns="" xmlns:m="http://schemas.openxmlformats.org/officeDocument/2006/math" xmlns:a14="http://schemas.microsoft.com/office/drawing/2010/main" xmlns:ma14="http://schemas.microsoft.com/office/mac/drawingml/2011/main" val="1"/>
+                <ma14:wrappingTextBoxFlag xmlns:ma14="http://schemas.microsoft.com/office/mac/drawingml/2011/main" xmlns:a14="http://schemas.microsoft.com/office/drawing/2010/main" xmlns:m="http://schemas.openxmlformats.org/officeDocument/2006/math" xmlns="" val="1"/>
               </a:ext>
             </a:extLst>
           </p:spPr>
@@ -5740,7 +5740,7 @@
               </a:ln>
               <a:extLst>
                 <a:ext uri="{C572A759-6A51-4108-AA02-DFA0A04FC94B}">
-                  <ma14:wrappingTextBoxFlag xmlns="" xmlns:m="http://schemas.openxmlformats.org/officeDocument/2006/math" xmlns:a14="http://schemas.microsoft.com/office/drawing/2010/main" xmlns:ma14="http://schemas.microsoft.com/office/mac/drawingml/2011/main" val="1"/>
+                  <ma14:wrappingTextBoxFlag xmlns:ma14="http://schemas.microsoft.com/office/mac/drawingml/2011/main" xmlns:a14="http://schemas.microsoft.com/office/drawing/2010/main" xmlns:m="http://schemas.openxmlformats.org/officeDocument/2006/math" xmlns="" val="1"/>
                 </a:ext>
               </a:extLst>
             </p:spPr>
@@ -5846,7 +5846,7 @@
             </a:ln>
             <a:extLst>
               <a:ext uri="{C572A759-6A51-4108-AA02-DFA0A04FC94B}">
-                <ma14:wrappingTextBoxFlag xmlns="" xmlns:m="http://schemas.openxmlformats.org/officeDocument/2006/math" xmlns:a14="http://schemas.microsoft.com/office/drawing/2010/main" xmlns:ma14="http://schemas.microsoft.com/office/mac/drawingml/2011/main" val="1"/>
+                <ma14:wrappingTextBoxFlag xmlns:ma14="http://schemas.microsoft.com/office/mac/drawingml/2011/main" xmlns:a14="http://schemas.microsoft.com/office/drawing/2010/main" xmlns:m="http://schemas.openxmlformats.org/officeDocument/2006/math" xmlns="" val="1"/>
               </a:ext>
             </a:extLst>
           </p:spPr>
@@ -6092,9 +6092,9 @@
         <p:grpSpPr>
           <a:xfrm>
             <a:off x="123815" y="7030720"/>
-            <a:ext cx="2286145" cy="1030773"/>
+            <a:ext cx="2286145" cy="1204389"/>
             <a:chOff x="123815" y="5667273"/>
-            <a:chExt cx="2286145" cy="1030773"/>
+            <a:chExt cx="2286145" cy="1204389"/>
           </a:xfrm>
         </p:grpSpPr>
         <p:sp>
@@ -6122,7 +6122,7 @@
             </a:ln>
             <a:extLst>
               <a:ext uri="{C572A759-6A51-4108-AA02-DFA0A04FC94B}">
-                <ma14:wrappingTextBoxFlag xmlns="" xmlns:m="http://schemas.openxmlformats.org/officeDocument/2006/math" xmlns:a14="http://schemas.microsoft.com/office/drawing/2010/main" xmlns:ma14="http://schemas.microsoft.com/office/mac/drawingml/2011/main" val="1"/>
+                <ma14:wrappingTextBoxFlag xmlns:ma14="http://schemas.microsoft.com/office/mac/drawingml/2011/main" xmlns:a14="http://schemas.microsoft.com/office/drawing/2010/main" xmlns:m="http://schemas.openxmlformats.org/officeDocument/2006/math" xmlns="" val="1"/>
               </a:ext>
             </a:extLst>
           </p:spPr>
@@ -6195,8 +6195,8 @@
           </p:nvSpPr>
           <p:spPr>
             <a:xfrm>
-              <a:off x="123960" y="6018201"/>
-              <a:ext cx="2286000" cy="679845"/>
+              <a:off x="123960" y="5984068"/>
+              <a:ext cx="2286000" cy="887594"/>
             </a:xfrm>
             <a:prstGeom prst="rect">
               <a:avLst/>
@@ -6282,6 +6282,27 @@
                   <a:sym typeface="Helvetica Neue Medium"/>
                 </a:rPr>
                 <a:t>FreeCodeCamp.org)</a:t>
+              </a:r>
+            </a:p>
+            <a:p>
+              <a:pPr marL="171450" indent="-171450" algn="l" defTabSz="556127">
+                <a:lnSpc>
+                  <a:spcPct val="150000"/>
+                </a:lnSpc>
+                <a:buFont typeface="Arial" panose="020B0604020202020204" pitchFamily="34" charset="0"/>
+                <a:buChar char="•"/>
+              </a:pPr>
+              <a:r>
+                <a:rPr lang="en-US" sz="900" b="0" noProof="1">
+                  <a:solidFill>
+                    <a:schemeClr val="tx1"/>
+                  </a:solidFill>
+                  <a:latin typeface="Arial" panose="020B0604020202020204" pitchFamily="34" charset="0"/>
+                  <a:ea typeface="Calibri" panose="020F0502020204030204" pitchFamily="34" charset="0"/>
+                  <a:cs typeface="Arial" panose="020B0604020202020204" pitchFamily="34" charset="0"/>
+                  <a:sym typeface="Helvetica Neue Medium"/>
+                </a:rPr>
+                <a:t>TOEIC Certificate</a:t>
               </a:r>
             </a:p>
             <a:p>
